--- a/Лекции/ИТиП 3 лек 2.pptx
+++ b/Лекции/ИТиП 3 лек 2.pptx
@@ -259,7 +259,7 @@
             <a:fld id="{AA2F9473-F066-431E-A6E8-1D478C995A6B}" type="datetimeFigureOut">
               <a:rPr lang="en-US" smtClean="0"/>
               <a:pPr/>
-              <a:t>4/13/2024</a:t>
+              <a:t>9/20/2024</a:t>
             </a:fld>
             <a:endParaRPr lang="en-US"/>
           </a:p>
